--- a/git 사용법.pptx
+++ b/git 사용법.pptx
@@ -138,6 +138,11 @@
       </a:defRPr>
     </a:lvl9pPr>
   </p:defaultTextStyle>
+  <p:extLst>
+    <p:ext uri="{EFAFB233-063F-42B5-8137-9DF3F51BA10A}">
+      <p15:sldGuideLst xmlns:p15="http://schemas.microsoft.com/office/powerpoint/2012/main"/>
+    </p:ext>
+  </p:extLst>
 </p:presentation>
 </file>
 
@@ -272,7 +277,7 @@
           <a:p>
             <a:fld id="{53E165DF-FD72-46A7-8881-738BD0D33F6C}" type="datetimeFigureOut">
               <a:rPr lang="ko-KR" altLang="en-US" smtClean="0"/>
-              <a:t>2017-03-19</a:t>
+              <a:t>2017-03-20</a:t>
             </a:fld>
             <a:endParaRPr lang="ko-KR" altLang="en-US"/>
           </a:p>
@@ -442,7 +447,7 @@
           <a:p>
             <a:fld id="{53E165DF-FD72-46A7-8881-738BD0D33F6C}" type="datetimeFigureOut">
               <a:rPr lang="ko-KR" altLang="en-US" smtClean="0"/>
-              <a:t>2017-03-19</a:t>
+              <a:t>2017-03-20</a:t>
             </a:fld>
             <a:endParaRPr lang="ko-KR" altLang="en-US"/>
           </a:p>
@@ -622,7 +627,7 @@
           <a:p>
             <a:fld id="{53E165DF-FD72-46A7-8881-738BD0D33F6C}" type="datetimeFigureOut">
               <a:rPr lang="ko-KR" altLang="en-US" smtClean="0"/>
-              <a:t>2017-03-19</a:t>
+              <a:t>2017-03-20</a:t>
             </a:fld>
             <a:endParaRPr lang="ko-KR" altLang="en-US"/>
           </a:p>
@@ -792,7 +797,7 @@
           <a:p>
             <a:fld id="{53E165DF-FD72-46A7-8881-738BD0D33F6C}" type="datetimeFigureOut">
               <a:rPr lang="ko-KR" altLang="en-US" smtClean="0"/>
-              <a:t>2017-03-19</a:t>
+              <a:t>2017-03-20</a:t>
             </a:fld>
             <a:endParaRPr lang="ko-KR" altLang="en-US"/>
           </a:p>
@@ -1038,7 +1043,7 @@
           <a:p>
             <a:fld id="{53E165DF-FD72-46A7-8881-738BD0D33F6C}" type="datetimeFigureOut">
               <a:rPr lang="ko-KR" altLang="en-US" smtClean="0"/>
-              <a:t>2017-03-19</a:t>
+              <a:t>2017-03-20</a:t>
             </a:fld>
             <a:endParaRPr lang="ko-KR" altLang="en-US"/>
           </a:p>
@@ -1270,7 +1275,7 @@
           <a:p>
             <a:fld id="{53E165DF-FD72-46A7-8881-738BD0D33F6C}" type="datetimeFigureOut">
               <a:rPr lang="ko-KR" altLang="en-US" smtClean="0"/>
-              <a:t>2017-03-19</a:t>
+              <a:t>2017-03-20</a:t>
             </a:fld>
             <a:endParaRPr lang="ko-KR" altLang="en-US"/>
           </a:p>
@@ -1637,7 +1642,7 @@
           <a:p>
             <a:fld id="{53E165DF-FD72-46A7-8881-738BD0D33F6C}" type="datetimeFigureOut">
               <a:rPr lang="ko-KR" altLang="en-US" smtClean="0"/>
-              <a:t>2017-03-19</a:t>
+              <a:t>2017-03-20</a:t>
             </a:fld>
             <a:endParaRPr lang="ko-KR" altLang="en-US"/>
           </a:p>
@@ -1755,7 +1760,7 @@
           <a:p>
             <a:fld id="{53E165DF-FD72-46A7-8881-738BD0D33F6C}" type="datetimeFigureOut">
               <a:rPr lang="ko-KR" altLang="en-US" smtClean="0"/>
-              <a:t>2017-03-19</a:t>
+              <a:t>2017-03-20</a:t>
             </a:fld>
             <a:endParaRPr lang="ko-KR" altLang="en-US"/>
           </a:p>
@@ -1850,7 +1855,7 @@
           <a:p>
             <a:fld id="{53E165DF-FD72-46A7-8881-738BD0D33F6C}" type="datetimeFigureOut">
               <a:rPr lang="ko-KR" altLang="en-US" smtClean="0"/>
-              <a:t>2017-03-19</a:t>
+              <a:t>2017-03-20</a:t>
             </a:fld>
             <a:endParaRPr lang="ko-KR" altLang="en-US"/>
           </a:p>
@@ -2127,7 +2132,7 @@
           <a:p>
             <a:fld id="{53E165DF-FD72-46A7-8881-738BD0D33F6C}" type="datetimeFigureOut">
               <a:rPr lang="ko-KR" altLang="en-US" smtClean="0"/>
-              <a:t>2017-03-19</a:t>
+              <a:t>2017-03-20</a:t>
             </a:fld>
             <a:endParaRPr lang="ko-KR" altLang="en-US"/>
           </a:p>
@@ -2380,7 +2385,7 @@
           <a:p>
             <a:fld id="{53E165DF-FD72-46A7-8881-738BD0D33F6C}" type="datetimeFigureOut">
               <a:rPr lang="ko-KR" altLang="en-US" smtClean="0"/>
-              <a:t>2017-03-19</a:t>
+              <a:t>2017-03-20</a:t>
             </a:fld>
             <a:endParaRPr lang="ko-KR" altLang="en-US"/>
           </a:p>
@@ -2593,7 +2598,7 @@
           <a:p>
             <a:fld id="{53E165DF-FD72-46A7-8881-738BD0D33F6C}" type="datetimeFigureOut">
               <a:rPr lang="ko-KR" altLang="en-US" smtClean="0"/>
-              <a:t>2017-03-19</a:t>
+              <a:t>2017-03-20</a:t>
             </a:fld>
             <a:endParaRPr lang="ko-KR" altLang="en-US"/>
           </a:p>
@@ -32494,8 +32499,8 @@
         </p:nvSpPr>
         <p:spPr>
           <a:xfrm>
-            <a:off x="1567378" y="970726"/>
-            <a:ext cx="9057287" cy="954107"/>
+            <a:off x="1750901" y="970726"/>
+            <a:ext cx="8690199" cy="1384995"/>
           </a:xfrm>
           <a:prstGeom prst="rect">
             <a:avLst/>
@@ -32521,7 +32526,7 @@
                 <a:ea typeface="+mj-ea"/>
                 <a:cs typeface="Arial" panose="020B0604020202020204" pitchFamily="34" charset="0"/>
               </a:rPr>
-              <a:t>git</a:t>
+              <a:t>Git</a:t>
             </a:r>
             <a:r>
               <a:rPr lang="ko-KR" altLang="en-US" sz="2800" dirty="0" smtClean="0">
@@ -32538,7 +32543,7 @@
               <a:t>을 사용하려면 </a:t>
             </a:r>
             <a:r>
-              <a:rPr lang="en-US" altLang="ko-KR" sz="2800" dirty="0" smtClean="0">
+              <a:rPr lang="ko-KR" altLang="en-US" sz="2800" dirty="0" smtClean="0">
                 <a:solidFill>
                   <a:schemeClr val="tx1">
                     <a:lumMod val="50000"/>
@@ -32549,10 +32554,10 @@
                 <a:ea typeface="+mj-ea"/>
                 <a:cs typeface="Arial" panose="020B0604020202020204" pitchFamily="34" charset="0"/>
               </a:rPr>
-              <a:t>Command Line</a:t>
-            </a:r>
-            <a:r>
-              <a:rPr lang="ko-KR" altLang="en-US" sz="2800" dirty="0" smtClean="0">
+              <a:t>기본적으로 </a:t>
+            </a:r>
+            <a:r>
+              <a:rPr lang="en-US" altLang="ko-KR" sz="2800" dirty="0" smtClean="0">
                 <a:solidFill>
                   <a:schemeClr val="tx1">
                     <a:lumMod val="50000"/>
@@ -32563,7 +32568,161 @@
                 <a:ea typeface="+mj-ea"/>
                 <a:cs typeface="Arial" panose="020B0604020202020204" pitchFamily="34" charset="0"/>
               </a:rPr>
-              <a:t>에서 작업을 해야한다</a:t>
+              <a:t>Command </a:t>
+            </a:r>
+            <a:r>
+              <a:rPr lang="en-US" altLang="ko-KR" sz="2800" dirty="0" smtClean="0">
+                <a:solidFill>
+                  <a:schemeClr val="tx1">
+                    <a:lumMod val="50000"/>
+                    <a:lumOff val="50000"/>
+                  </a:schemeClr>
+                </a:solidFill>
+                <a:latin typeface="+mj-ea"/>
+                <a:ea typeface="+mj-ea"/>
+                <a:cs typeface="Arial" panose="020B0604020202020204" pitchFamily="34" charset="0"/>
+              </a:rPr>
+              <a:t>Line</a:t>
+            </a:r>
+            <a:r>
+              <a:rPr lang="ko-KR" altLang="en-US" sz="2800" dirty="0" smtClean="0">
+                <a:solidFill>
+                  <a:schemeClr val="tx1">
+                    <a:lumMod val="50000"/>
+                    <a:lumOff val="50000"/>
+                  </a:schemeClr>
+                </a:solidFill>
+                <a:latin typeface="+mj-ea"/>
+                <a:ea typeface="+mj-ea"/>
+                <a:cs typeface="Arial" panose="020B0604020202020204" pitchFamily="34" charset="0"/>
+              </a:rPr>
+              <a:t>에서 </a:t>
+            </a:r>
+            <a:endParaRPr lang="en-US" altLang="ko-KR" sz="2800" dirty="0" smtClean="0">
+              <a:solidFill>
+                <a:schemeClr val="tx1">
+                  <a:lumMod val="50000"/>
+                  <a:lumOff val="50000"/>
+                </a:schemeClr>
+              </a:solidFill>
+              <a:latin typeface="+mj-ea"/>
+              <a:ea typeface="+mj-ea"/>
+              <a:cs typeface="Arial" panose="020B0604020202020204" pitchFamily="34" charset="0"/>
+            </a:endParaRPr>
+          </a:p>
+          <a:p>
+            <a:pPr algn="ctr"/>
+            <a:r>
+              <a:rPr lang="ko-KR" altLang="en-US" sz="2800" dirty="0" smtClean="0">
+                <a:solidFill>
+                  <a:schemeClr val="tx1">
+                    <a:lumMod val="50000"/>
+                    <a:lumOff val="50000"/>
+                  </a:schemeClr>
+                </a:solidFill>
+                <a:latin typeface="+mj-ea"/>
+                <a:ea typeface="+mj-ea"/>
+                <a:cs typeface="Arial" panose="020B0604020202020204" pitchFamily="34" charset="0"/>
+              </a:rPr>
+              <a:t>작업을 </a:t>
+            </a:r>
+            <a:r>
+              <a:rPr lang="ko-KR" altLang="en-US" sz="2800" dirty="0" smtClean="0">
+                <a:solidFill>
+                  <a:schemeClr val="tx1">
+                    <a:lumMod val="50000"/>
+                    <a:lumOff val="50000"/>
+                  </a:schemeClr>
+                </a:solidFill>
+                <a:latin typeface="+mj-ea"/>
+                <a:ea typeface="+mj-ea"/>
+                <a:cs typeface="Arial" panose="020B0604020202020204" pitchFamily="34" charset="0"/>
+              </a:rPr>
+              <a:t>해야한다</a:t>
+            </a:r>
+            <a:r>
+              <a:rPr lang="en-US" altLang="ko-KR" sz="2800" dirty="0" smtClean="0">
+                <a:solidFill>
+                  <a:schemeClr val="tx1">
+                    <a:lumMod val="50000"/>
+                    <a:lumOff val="50000"/>
+                  </a:schemeClr>
+                </a:solidFill>
+                <a:latin typeface="+mj-ea"/>
+                <a:ea typeface="+mj-ea"/>
+                <a:cs typeface="Arial" panose="020B0604020202020204" pitchFamily="34" charset="0"/>
+              </a:rPr>
+              <a:t>. </a:t>
+            </a:r>
+            <a:r>
+              <a:rPr lang="ko-KR" altLang="en-US" sz="2800" dirty="0" smtClean="0">
+                <a:solidFill>
+                  <a:schemeClr val="tx1">
+                    <a:lumMod val="50000"/>
+                    <a:lumOff val="50000"/>
+                  </a:schemeClr>
+                </a:solidFill>
+                <a:latin typeface="+mj-ea"/>
+                <a:ea typeface="+mj-ea"/>
+                <a:cs typeface="Arial" panose="020B0604020202020204" pitchFamily="34" charset="0"/>
+              </a:rPr>
+              <a:t>원격 저장소로 보내거나 받는 작업 </a:t>
+            </a:r>
+            <a:endParaRPr lang="en-US" altLang="ko-KR" sz="2800" dirty="0" smtClean="0">
+              <a:solidFill>
+                <a:schemeClr val="tx1">
+                  <a:lumMod val="50000"/>
+                  <a:lumOff val="50000"/>
+                </a:schemeClr>
+              </a:solidFill>
+              <a:latin typeface="+mj-ea"/>
+              <a:ea typeface="+mj-ea"/>
+              <a:cs typeface="Arial" panose="020B0604020202020204" pitchFamily="34" charset="0"/>
+            </a:endParaRPr>
+          </a:p>
+          <a:p>
+            <a:pPr algn="ctr"/>
+            <a:r>
+              <a:rPr lang="ko-KR" altLang="en-US" sz="2800" dirty="0" smtClean="0">
+                <a:solidFill>
+                  <a:schemeClr val="tx1">
+                    <a:lumMod val="50000"/>
+                    <a:lumOff val="50000"/>
+                  </a:schemeClr>
+                </a:solidFill>
+                <a:latin typeface="+mj-ea"/>
+                <a:ea typeface="+mj-ea"/>
+                <a:cs typeface="Arial" panose="020B0604020202020204" pitchFamily="34" charset="0"/>
+              </a:rPr>
+              <a:t>역시 </a:t>
+            </a:r>
+            <a:r>
+              <a:rPr lang="en-US" altLang="ko-KR" sz="2800" dirty="0" smtClean="0">
+                <a:solidFill>
+                  <a:schemeClr val="tx1">
+                    <a:lumMod val="50000"/>
+                    <a:lumOff val="50000"/>
+                  </a:schemeClr>
+                </a:solidFill>
+                <a:latin typeface="+mj-ea"/>
+                <a:ea typeface="+mj-ea"/>
+                <a:cs typeface="Arial" panose="020B0604020202020204" pitchFamily="34" charset="0"/>
+              </a:rPr>
+              <a:t>command line</a:t>
+            </a:r>
+            <a:r>
+              <a:rPr lang="ko-KR" altLang="en-US" sz="2800" dirty="0" smtClean="0">
+                <a:solidFill>
+                  <a:schemeClr val="tx1">
+                    <a:lumMod val="50000"/>
+                    <a:lumOff val="50000"/>
+                  </a:schemeClr>
+                </a:solidFill>
+                <a:latin typeface="+mj-ea"/>
+                <a:ea typeface="+mj-ea"/>
+                <a:cs typeface="Arial" panose="020B0604020202020204" pitchFamily="34" charset="0"/>
+              </a:rPr>
+              <a:t>에서 해야 된다</a:t>
             </a:r>
             <a:r>
               <a:rPr lang="en-US" altLang="ko-KR" sz="2800" dirty="0" smtClean="0">
@@ -32578,51 +32737,6 @@
                 <a:cs typeface="Arial" panose="020B0604020202020204" pitchFamily="34" charset="0"/>
               </a:rPr>
               <a:t>.</a:t>
-            </a:r>
-          </a:p>
-          <a:p>
-            <a:pPr algn="ctr"/>
-            <a:r>
-              <a:rPr lang="ko-KR" altLang="en-US" sz="2800" dirty="0" smtClean="0">
-                <a:solidFill>
-                  <a:schemeClr val="tx1">
-                    <a:lumMod val="50000"/>
-                    <a:lumOff val="50000"/>
-                  </a:schemeClr>
-                </a:solidFill>
-                <a:latin typeface="+mj-ea"/>
-                <a:ea typeface="+mj-ea"/>
-                <a:cs typeface="Arial" panose="020B0604020202020204" pitchFamily="34" charset="0"/>
-              </a:rPr>
-              <a:t>이 작업을 </a:t>
-            </a:r>
-            <a:r>
-              <a:rPr lang="ko-KR" altLang="en-US" sz="2800" dirty="0" err="1" smtClean="0">
-                <a:solidFill>
-                  <a:schemeClr val="tx1">
-                    <a:lumMod val="50000"/>
-                    <a:lumOff val="50000"/>
-                  </a:schemeClr>
-                </a:solidFill>
-                <a:latin typeface="+mj-ea"/>
-                <a:ea typeface="+mj-ea"/>
-                <a:cs typeface="Arial" panose="020B0604020202020204" pitchFamily="34" charset="0"/>
-              </a:rPr>
-              <a:t>하기위해</a:t>
-            </a:r>
-            <a:r>
-              <a:rPr lang="ko-KR" altLang="en-US" sz="2800" dirty="0" smtClean="0">
-                <a:solidFill>
-                  <a:schemeClr val="tx1">
-                    <a:lumMod val="50000"/>
-                    <a:lumOff val="50000"/>
-                  </a:schemeClr>
-                </a:solidFill>
-                <a:latin typeface="+mj-ea"/>
-                <a:ea typeface="+mj-ea"/>
-                <a:cs typeface="Arial" panose="020B0604020202020204" pitchFamily="34" charset="0"/>
-              </a:rPr>
-              <a:t> </a:t>
             </a:r>
             <a:endParaRPr lang="en-US" altLang="ko-KR" sz="2800" dirty="0" smtClean="0">
               <a:solidFill>
@@ -32646,8 +32760,8 @@
         </p:nvSpPr>
         <p:spPr>
           <a:xfrm>
-            <a:off x="5309590" y="1748380"/>
-            <a:ext cx="1572866" cy="707886"/>
+            <a:off x="2702314" y="2527374"/>
+            <a:ext cx="6787435" cy="1323439"/>
           </a:xfrm>
           <a:prstGeom prst="rect">
             <a:avLst/>
@@ -32673,7 +32787,91 @@
                 <a:ea typeface="+mj-ea"/>
                 <a:cs typeface="Arial" panose="020B0604020202020204" pitchFamily="34" charset="0"/>
               </a:rPr>
-              <a:t>그럼  </a:t>
+              <a:t>너무 불편한데</a:t>
+            </a:r>
+            <a:r>
+              <a:rPr lang="en-US" altLang="ko-KR" sz="4000" dirty="0" smtClean="0">
+                <a:solidFill>
+                  <a:schemeClr val="tx1">
+                    <a:lumMod val="50000"/>
+                    <a:lumOff val="50000"/>
+                  </a:schemeClr>
+                </a:solidFill>
+                <a:latin typeface="+mj-ea"/>
+                <a:ea typeface="+mj-ea"/>
+                <a:cs typeface="Arial" panose="020B0604020202020204" pitchFamily="34" charset="0"/>
+              </a:rPr>
+              <a:t>? </a:t>
+            </a:r>
+            <a:r>
+              <a:rPr lang="ko-KR" altLang="en-US" sz="4000" dirty="0" smtClean="0">
+                <a:solidFill>
+                  <a:schemeClr val="tx1">
+                    <a:lumMod val="50000"/>
+                    <a:lumOff val="50000"/>
+                  </a:schemeClr>
+                </a:solidFill>
+                <a:latin typeface="+mj-ea"/>
+                <a:ea typeface="+mj-ea"/>
+                <a:cs typeface="Arial" panose="020B0604020202020204" pitchFamily="34" charset="0"/>
+              </a:rPr>
+              <a:t>이런 작업을 </a:t>
+            </a:r>
+            <a:endParaRPr lang="en-US" altLang="ko-KR" sz="4000" smtClean="0">
+              <a:solidFill>
+                <a:schemeClr val="tx1">
+                  <a:lumMod val="50000"/>
+                  <a:lumOff val="50000"/>
+                </a:schemeClr>
+              </a:solidFill>
+              <a:latin typeface="+mj-ea"/>
+              <a:ea typeface="+mj-ea"/>
+              <a:cs typeface="Arial" panose="020B0604020202020204" pitchFamily="34" charset="0"/>
+            </a:endParaRPr>
+          </a:p>
+          <a:p>
+            <a:pPr algn="ctr"/>
+            <a:r>
+              <a:rPr lang="ko-KR" altLang="en-US" sz="4000" smtClean="0">
+                <a:solidFill>
+                  <a:schemeClr val="tx1">
+                    <a:lumMod val="50000"/>
+                    <a:lumOff val="50000"/>
+                  </a:schemeClr>
+                </a:solidFill>
+                <a:latin typeface="+mj-ea"/>
+                <a:ea typeface="+mj-ea"/>
+                <a:cs typeface="Arial" panose="020B0604020202020204" pitchFamily="34" charset="0"/>
+              </a:rPr>
+              <a:t>하는 </a:t>
+            </a:r>
+            <a:r>
+              <a:rPr lang="ko-KR" altLang="en-US" sz="4000" dirty="0" smtClean="0">
+                <a:solidFill>
+                  <a:schemeClr val="tx1">
+                    <a:lumMod val="50000"/>
+                    <a:lumOff val="50000"/>
+                  </a:schemeClr>
+                </a:solidFill>
+                <a:latin typeface="+mj-ea"/>
+                <a:ea typeface="+mj-ea"/>
+                <a:cs typeface="Arial" panose="020B0604020202020204" pitchFamily="34" charset="0"/>
+              </a:rPr>
+              <a:t>도구는 없나</a:t>
+            </a:r>
+            <a:r>
+              <a:rPr lang="en-US" altLang="ko-KR" sz="4000" dirty="0" smtClean="0">
+                <a:solidFill>
+                  <a:schemeClr val="tx1">
+                    <a:lumMod val="50000"/>
+                    <a:lumOff val="50000"/>
+                  </a:schemeClr>
+                </a:solidFill>
+                <a:latin typeface="+mj-ea"/>
+                <a:ea typeface="+mj-ea"/>
+                <a:cs typeface="Arial" panose="020B0604020202020204" pitchFamily="34" charset="0"/>
+              </a:rPr>
+              <a:t>?</a:t>
             </a:r>
             <a:endParaRPr lang="en-US" altLang="ko-KR" sz="4000" dirty="0" smtClean="0">
               <a:solidFill>
@@ -35818,21 +36016,7 @@
                     <a:ea typeface="돋움" panose="020B0600000101010101" pitchFamily="50" charset="-127"/>
                     <a:cs typeface="Arial" panose="020B0604020202020204" pitchFamily="34" charset="0"/>
                   </a:rPr>
-                  <a:t>name</a:t>
-                </a:r>
-                <a:r>
-                  <a:rPr lang="en-US" altLang="ko-KR" dirty="0" smtClean="0">
-                    <a:solidFill>
-                      <a:schemeClr val="tx1">
-                        <a:lumMod val="50000"/>
-                        <a:lumOff val="50000"/>
-                      </a:schemeClr>
-                    </a:solidFill>
-                    <a:latin typeface="Arial" panose="020B0604020202020204" pitchFamily="34" charset="0"/>
-                    <a:ea typeface="돋움" panose="020B0600000101010101" pitchFamily="50" charset="-127"/>
-                    <a:cs typeface="Arial" panose="020B0604020202020204" pitchFamily="34" charset="0"/>
-                  </a:rPr>
-                  <a:t>1.ppt</a:t>
+                  <a:t>name1.ppt</a:t>
                 </a:r>
               </a:p>
             </p:txBody>
@@ -35927,21 +36111,7 @@
                     <a:ea typeface="돋움" panose="020B0600000101010101" pitchFamily="50" charset="-127"/>
                     <a:cs typeface="Arial" panose="020B0604020202020204" pitchFamily="34" charset="0"/>
                   </a:rPr>
-                  <a:t>name</a:t>
-                </a:r>
-                <a:r>
-                  <a:rPr lang="en-US" altLang="ko-KR" dirty="0" smtClean="0">
-                    <a:solidFill>
-                      <a:schemeClr val="tx1">
-                        <a:lumMod val="50000"/>
-                        <a:lumOff val="50000"/>
-                      </a:schemeClr>
-                    </a:solidFill>
-                    <a:latin typeface="Arial" panose="020B0604020202020204" pitchFamily="34" charset="0"/>
-                    <a:ea typeface="돋움" panose="020B0600000101010101" pitchFamily="50" charset="-127"/>
-                    <a:cs typeface="Arial" panose="020B0604020202020204" pitchFamily="34" charset="0"/>
-                  </a:rPr>
-                  <a:t>2.ppt</a:t>
+                  <a:t>name2.ppt</a:t>
                 </a:r>
               </a:p>
             </p:txBody>
@@ -36036,21 +36206,7 @@
                     <a:ea typeface="돋움" panose="020B0600000101010101" pitchFamily="50" charset="-127"/>
                     <a:cs typeface="Arial" panose="020B0604020202020204" pitchFamily="34" charset="0"/>
                   </a:rPr>
-                  <a:t>name</a:t>
-                </a:r>
-                <a:r>
-                  <a:rPr lang="en-US" altLang="ko-KR" dirty="0" smtClean="0">
-                    <a:solidFill>
-                      <a:schemeClr val="tx1">
-                        <a:lumMod val="50000"/>
-                        <a:lumOff val="50000"/>
-                      </a:schemeClr>
-                    </a:solidFill>
-                    <a:latin typeface="Arial" panose="020B0604020202020204" pitchFamily="34" charset="0"/>
-                    <a:ea typeface="돋움" panose="020B0600000101010101" pitchFamily="50" charset="-127"/>
-                    <a:cs typeface="Arial" panose="020B0604020202020204" pitchFamily="34" charset="0"/>
-                  </a:rPr>
-                  <a:t>3.ppt</a:t>
+                  <a:t>name3.ppt</a:t>
                 </a:r>
               </a:p>
             </p:txBody>
@@ -36145,21 +36301,7 @@
                     <a:ea typeface="돋움" panose="020B0600000101010101" pitchFamily="50" charset="-127"/>
                     <a:cs typeface="Arial" panose="020B0604020202020204" pitchFamily="34" charset="0"/>
                   </a:rPr>
-                  <a:t>name</a:t>
-                </a:r>
-                <a:r>
-                  <a:rPr lang="en-US" altLang="ko-KR" dirty="0" smtClean="0">
-                    <a:solidFill>
-                      <a:schemeClr val="tx1">
-                        <a:lumMod val="50000"/>
-                        <a:lumOff val="50000"/>
-                      </a:schemeClr>
-                    </a:solidFill>
-                    <a:latin typeface="Arial" panose="020B0604020202020204" pitchFamily="34" charset="0"/>
-                    <a:ea typeface="돋움" panose="020B0600000101010101" pitchFamily="50" charset="-127"/>
-                    <a:cs typeface="Arial" panose="020B0604020202020204" pitchFamily="34" charset="0"/>
-                  </a:rPr>
-                  <a:t>4.ppt</a:t>
+                  <a:t>name4.ppt</a:t>
                 </a:r>
               </a:p>
             </p:txBody>
@@ -36254,21 +36396,7 @@
                     <a:ea typeface="돋움" panose="020B0600000101010101" pitchFamily="50" charset="-127"/>
                     <a:cs typeface="Arial" panose="020B0604020202020204" pitchFamily="34" charset="0"/>
                   </a:rPr>
-                  <a:t>name</a:t>
-                </a:r>
-                <a:r>
-                  <a:rPr lang="en-US" altLang="ko-KR" dirty="0" smtClean="0">
-                    <a:solidFill>
-                      <a:schemeClr val="tx1">
-                        <a:lumMod val="50000"/>
-                        <a:lumOff val="50000"/>
-                      </a:schemeClr>
-                    </a:solidFill>
-                    <a:latin typeface="Arial" panose="020B0604020202020204" pitchFamily="34" charset="0"/>
-                    <a:ea typeface="돋움" panose="020B0600000101010101" pitchFamily="50" charset="-127"/>
-                    <a:cs typeface="Arial" panose="020B0604020202020204" pitchFamily="34" charset="0"/>
-                  </a:rPr>
-                  <a:t>5.ppt</a:t>
+                  <a:t>name5.ppt</a:t>
                 </a:r>
               </a:p>
             </p:txBody>
@@ -36363,21 +36491,7 @@
                     <a:ea typeface="돋움" panose="020B0600000101010101" pitchFamily="50" charset="-127"/>
                     <a:cs typeface="Arial" panose="020B0604020202020204" pitchFamily="34" charset="0"/>
                   </a:rPr>
-                  <a:t>name</a:t>
-                </a:r>
-                <a:r>
-                  <a:rPr lang="en-US" altLang="ko-KR" dirty="0" smtClean="0">
-                    <a:solidFill>
-                      <a:schemeClr val="tx1">
-                        <a:lumMod val="50000"/>
-                        <a:lumOff val="50000"/>
-                      </a:schemeClr>
-                    </a:solidFill>
-                    <a:latin typeface="Arial" panose="020B0604020202020204" pitchFamily="34" charset="0"/>
-                    <a:ea typeface="돋움" panose="020B0600000101010101" pitchFamily="50" charset="-127"/>
-                    <a:cs typeface="Arial" panose="020B0604020202020204" pitchFamily="34" charset="0"/>
-                  </a:rPr>
-                  <a:t>6.ppt</a:t>
+                  <a:t>name6.ppt</a:t>
                 </a:r>
               </a:p>
             </p:txBody>
@@ -36472,21 +36586,7 @@
                     <a:ea typeface="돋움" panose="020B0600000101010101" pitchFamily="50" charset="-127"/>
                     <a:cs typeface="Arial" panose="020B0604020202020204" pitchFamily="34" charset="0"/>
                   </a:rPr>
-                  <a:t>name</a:t>
-                </a:r>
-                <a:r>
-                  <a:rPr lang="en-US" altLang="ko-KR" dirty="0" smtClean="0">
-                    <a:solidFill>
-                      <a:schemeClr val="tx1">
-                        <a:lumMod val="50000"/>
-                        <a:lumOff val="50000"/>
-                      </a:schemeClr>
-                    </a:solidFill>
-                    <a:latin typeface="Arial" panose="020B0604020202020204" pitchFamily="34" charset="0"/>
-                    <a:ea typeface="돋움" panose="020B0600000101010101" pitchFamily="50" charset="-127"/>
-                    <a:cs typeface="Arial" panose="020B0604020202020204" pitchFamily="34" charset="0"/>
-                  </a:rPr>
-                  <a:t>7.ppt</a:t>
+                  <a:t>name7.ppt</a:t>
                 </a:r>
               </a:p>
             </p:txBody>
@@ -37580,21 +37680,7 @@
                     <a:ea typeface="돋움" panose="020B0600000101010101" pitchFamily="50" charset="-127"/>
                     <a:cs typeface="Arial" panose="020B0604020202020204" pitchFamily="34" charset="0"/>
                   </a:rPr>
-                  <a:t>name</a:t>
-                </a:r>
-                <a:r>
-                  <a:rPr lang="en-US" altLang="ko-KR" dirty="0" smtClean="0">
-                    <a:solidFill>
-                      <a:schemeClr val="tx1">
-                        <a:lumMod val="50000"/>
-                        <a:lumOff val="50000"/>
-                      </a:schemeClr>
-                    </a:solidFill>
-                    <a:latin typeface="Arial" panose="020B0604020202020204" pitchFamily="34" charset="0"/>
-                    <a:ea typeface="돋움" panose="020B0600000101010101" pitchFamily="50" charset="-127"/>
-                    <a:cs typeface="Arial" panose="020B0604020202020204" pitchFamily="34" charset="0"/>
-                  </a:rPr>
-                  <a:t>1.ppt</a:t>
+                  <a:t>name1.ppt</a:t>
                 </a:r>
               </a:p>
             </p:txBody>
@@ -37689,21 +37775,7 @@
                     <a:ea typeface="돋움" panose="020B0600000101010101" pitchFamily="50" charset="-127"/>
                     <a:cs typeface="Arial" panose="020B0604020202020204" pitchFamily="34" charset="0"/>
                   </a:rPr>
-                  <a:t>name</a:t>
-                </a:r>
-                <a:r>
-                  <a:rPr lang="en-US" altLang="ko-KR" dirty="0" smtClean="0">
-                    <a:solidFill>
-                      <a:schemeClr val="tx1">
-                        <a:lumMod val="50000"/>
-                        <a:lumOff val="50000"/>
-                      </a:schemeClr>
-                    </a:solidFill>
-                    <a:latin typeface="Arial" panose="020B0604020202020204" pitchFamily="34" charset="0"/>
-                    <a:ea typeface="돋움" panose="020B0600000101010101" pitchFamily="50" charset="-127"/>
-                    <a:cs typeface="Arial" panose="020B0604020202020204" pitchFamily="34" charset="0"/>
-                  </a:rPr>
-                  <a:t>2.ppt</a:t>
+                  <a:t>name2.ppt</a:t>
                 </a:r>
               </a:p>
             </p:txBody>
@@ -37798,21 +37870,7 @@
                     <a:ea typeface="돋움" panose="020B0600000101010101" pitchFamily="50" charset="-127"/>
                     <a:cs typeface="Arial" panose="020B0604020202020204" pitchFamily="34" charset="0"/>
                   </a:rPr>
-                  <a:t>name</a:t>
-                </a:r>
-                <a:r>
-                  <a:rPr lang="en-US" altLang="ko-KR" dirty="0" smtClean="0">
-                    <a:solidFill>
-                      <a:schemeClr val="tx1">
-                        <a:lumMod val="50000"/>
-                        <a:lumOff val="50000"/>
-                      </a:schemeClr>
-                    </a:solidFill>
-                    <a:latin typeface="Arial" panose="020B0604020202020204" pitchFamily="34" charset="0"/>
-                    <a:ea typeface="돋움" panose="020B0600000101010101" pitchFamily="50" charset="-127"/>
-                    <a:cs typeface="Arial" panose="020B0604020202020204" pitchFamily="34" charset="0"/>
-                  </a:rPr>
-                  <a:t>3.ppt</a:t>
+                  <a:t>name3.ppt</a:t>
                 </a:r>
               </a:p>
             </p:txBody>
@@ -37907,21 +37965,7 @@
                     <a:ea typeface="돋움" panose="020B0600000101010101" pitchFamily="50" charset="-127"/>
                     <a:cs typeface="Arial" panose="020B0604020202020204" pitchFamily="34" charset="0"/>
                   </a:rPr>
-                  <a:t>name</a:t>
-                </a:r>
-                <a:r>
-                  <a:rPr lang="en-US" altLang="ko-KR" dirty="0" smtClean="0">
-                    <a:solidFill>
-                      <a:schemeClr val="tx1">
-                        <a:lumMod val="50000"/>
-                        <a:lumOff val="50000"/>
-                      </a:schemeClr>
-                    </a:solidFill>
-                    <a:latin typeface="Arial" panose="020B0604020202020204" pitchFamily="34" charset="0"/>
-                    <a:ea typeface="돋움" panose="020B0600000101010101" pitchFamily="50" charset="-127"/>
-                    <a:cs typeface="Arial" panose="020B0604020202020204" pitchFamily="34" charset="0"/>
-                  </a:rPr>
-                  <a:t>4.ppt</a:t>
+                  <a:t>name4.ppt</a:t>
                 </a:r>
               </a:p>
             </p:txBody>
@@ -38016,21 +38060,7 @@
                     <a:ea typeface="돋움" panose="020B0600000101010101" pitchFamily="50" charset="-127"/>
                     <a:cs typeface="Arial" panose="020B0604020202020204" pitchFamily="34" charset="0"/>
                   </a:rPr>
-                  <a:t>name</a:t>
-                </a:r>
-                <a:r>
-                  <a:rPr lang="en-US" altLang="ko-KR" dirty="0" smtClean="0">
-                    <a:solidFill>
-                      <a:schemeClr val="tx1">
-                        <a:lumMod val="50000"/>
-                        <a:lumOff val="50000"/>
-                      </a:schemeClr>
-                    </a:solidFill>
-                    <a:latin typeface="Arial" panose="020B0604020202020204" pitchFamily="34" charset="0"/>
-                    <a:ea typeface="돋움" panose="020B0600000101010101" pitchFamily="50" charset="-127"/>
-                    <a:cs typeface="Arial" panose="020B0604020202020204" pitchFamily="34" charset="0"/>
-                  </a:rPr>
-                  <a:t>5.ppt</a:t>
+                  <a:t>name5.ppt</a:t>
                 </a:r>
               </a:p>
             </p:txBody>
@@ -38125,21 +38155,7 @@
                     <a:ea typeface="돋움" panose="020B0600000101010101" pitchFamily="50" charset="-127"/>
                     <a:cs typeface="Arial" panose="020B0604020202020204" pitchFamily="34" charset="0"/>
                   </a:rPr>
-                  <a:t>name</a:t>
-                </a:r>
-                <a:r>
-                  <a:rPr lang="en-US" altLang="ko-KR" dirty="0" smtClean="0">
-                    <a:solidFill>
-                      <a:schemeClr val="tx1">
-                        <a:lumMod val="50000"/>
-                        <a:lumOff val="50000"/>
-                      </a:schemeClr>
-                    </a:solidFill>
-                    <a:latin typeface="Arial" panose="020B0604020202020204" pitchFamily="34" charset="0"/>
-                    <a:ea typeface="돋움" panose="020B0600000101010101" pitchFamily="50" charset="-127"/>
-                    <a:cs typeface="Arial" panose="020B0604020202020204" pitchFamily="34" charset="0"/>
-                  </a:rPr>
-                  <a:t>6.ppt</a:t>
+                  <a:t>name6.ppt</a:t>
                 </a:r>
               </a:p>
             </p:txBody>
@@ -38234,21 +38250,7 @@
                     <a:ea typeface="돋움" panose="020B0600000101010101" pitchFamily="50" charset="-127"/>
                     <a:cs typeface="Arial" panose="020B0604020202020204" pitchFamily="34" charset="0"/>
                   </a:rPr>
-                  <a:t>name</a:t>
-                </a:r>
-                <a:r>
-                  <a:rPr lang="en-US" altLang="ko-KR" dirty="0" smtClean="0">
-                    <a:solidFill>
-                      <a:schemeClr val="tx1">
-                        <a:lumMod val="50000"/>
-                        <a:lumOff val="50000"/>
-                      </a:schemeClr>
-                    </a:solidFill>
-                    <a:latin typeface="Arial" panose="020B0604020202020204" pitchFamily="34" charset="0"/>
-                    <a:ea typeface="돋움" panose="020B0600000101010101" pitchFamily="50" charset="-127"/>
-                    <a:cs typeface="Arial" panose="020B0604020202020204" pitchFamily="34" charset="0"/>
-                  </a:rPr>
-                  <a:t>7.ppt</a:t>
+                  <a:t>name7.ppt</a:t>
                 </a:r>
               </a:p>
             </p:txBody>

--- a/git 사용법.pptx
+++ b/git 사용법.pptx
@@ -3188,7 +3188,9 @@
           <a:lstStyle/>
           <a:p>
             <a:r>
-              <a:rPr lang="ko-KR" altLang="en-US" dirty="0" smtClean="0"/>
+              <a:rPr lang="ko-KR" altLang="en-US" dirty="0" smtClean="0">
+                <a:hlinkClick r:id="rId3"/>
+              </a:rPr>
               <a:t>https://rogerdudler.github.io/git-guide/index.ko.html</a:t>
             </a:r>
             <a:endParaRPr lang="ko-KR" altLang="en-US" dirty="0"/>
@@ -6183,7 +6185,7 @@
                 </a:solidFill>
                 <a:latin typeface="+mn-ea"/>
               </a:rPr>
-              <a:t>Init</a:t>
+              <a:t>init</a:t>
             </a:r>
             <a:r>
               <a:rPr lang="en-US" altLang="ko-KR" sz="2400" dirty="0" smtClean="0">
@@ -6243,7 +6245,7 @@
                 </a:solidFill>
                 <a:latin typeface="+mn-ea"/>
               </a:rPr>
-              <a:t>Git</a:t>
+              <a:t>git</a:t>
             </a:r>
             <a:r>
               <a:rPr lang="ko-KR" altLang="en-US" sz="2400" dirty="0" smtClean="0">
@@ -14369,9 +14371,9 @@
         <p:grpSpPr>
           <a:xfrm>
             <a:off x="1869374" y="1722825"/>
-            <a:ext cx="8453253" cy="4712054"/>
+            <a:ext cx="9676743" cy="4712054"/>
             <a:chOff x="2205488" y="1722825"/>
-            <a:chExt cx="8453253" cy="4712054"/>
+            <a:chExt cx="9676743" cy="4712054"/>
           </a:xfrm>
         </p:grpSpPr>
         <p:grpSp>
@@ -15312,9 +15314,9 @@
           <p:grpSpPr>
             <a:xfrm>
               <a:off x="5913339" y="2286426"/>
-              <a:ext cx="4745402" cy="3860016"/>
+              <a:ext cx="5968892" cy="3860016"/>
               <a:chOff x="5913339" y="2286426"/>
-              <a:chExt cx="4745402" cy="3860016"/>
+              <a:chExt cx="5968892" cy="3860016"/>
             </a:xfrm>
           </p:grpSpPr>
           <p:sp>
@@ -15326,7 +15328,7 @@
             <p:spPr>
               <a:xfrm>
                 <a:off x="5920343" y="2286426"/>
-                <a:ext cx="4621778" cy="1200329"/>
+                <a:ext cx="5961888" cy="830997"/>
               </a:xfrm>
               <a:prstGeom prst="rect">
                 <a:avLst/>
@@ -15387,17 +15389,6 @@
                   </a:rPr>
                   <a:t>한번 주고 </a:t>
                 </a:r>
-                <a:endParaRPr lang="en-US" altLang="ko-KR" sz="2400" dirty="0" smtClean="0">
-                  <a:solidFill>
-                    <a:schemeClr val="tx1">
-                      <a:lumMod val="50000"/>
-                      <a:lumOff val="50000"/>
-                    </a:schemeClr>
-                  </a:solidFill>
-                  <a:latin typeface="+mn-ea"/>
-                </a:endParaRPr>
-              </a:p>
-              <a:p>
                 <a:r>
                   <a:rPr lang="ko-KR" altLang="en-US" sz="2400" dirty="0" smtClean="0">
                     <a:solidFill>
@@ -15408,19 +15399,31 @@
                     </a:solidFill>
                     <a:latin typeface="+mn-ea"/>
                   </a:rPr>
-                  <a:t>동료가 작업한 결과를 돌려받기 </a:t>
+                  <a:t>동료가 작업</a:t>
                 </a:r>
-                <a:endParaRPr lang="en-US" altLang="ko-KR" sz="2400" dirty="0" smtClean="0">
-                  <a:solidFill>
-                    <a:schemeClr val="tx1">
-                      <a:lumMod val="50000"/>
-                      <a:lumOff val="50000"/>
-                    </a:schemeClr>
-                  </a:solidFill>
-                  <a:latin typeface="+mn-ea"/>
-                </a:endParaRPr>
-              </a:p>
-              <a:p>
+                <a:r>
+                  <a:rPr lang="en-US" altLang="ko-KR" sz="2400" dirty="0" smtClean="0">
+                    <a:solidFill>
+                      <a:schemeClr val="tx1">
+                        <a:lumMod val="50000"/>
+                        <a:lumOff val="50000"/>
+                      </a:schemeClr>
+                    </a:solidFill>
+                    <a:latin typeface="+mn-ea"/>
+                  </a:rPr>
+                  <a:t/>
+                </a:r>
+                <a:br>
+                  <a:rPr lang="en-US" altLang="ko-KR" sz="2400" dirty="0" smtClean="0">
+                    <a:solidFill>
+                      <a:schemeClr val="tx1">
+                        <a:lumMod val="50000"/>
+                        <a:lumOff val="50000"/>
+                      </a:schemeClr>
+                    </a:solidFill>
+                    <a:latin typeface="+mn-ea"/>
+                  </a:rPr>
+                </a:br>
                 <a:r>
                   <a:rPr lang="ko-KR" altLang="en-US" sz="2400" dirty="0" smtClean="0">
                     <a:solidFill>
@@ -15431,7 +15434,43 @@
                     </a:solidFill>
                     <a:latin typeface="+mn-ea"/>
                   </a:rPr>
-                  <a:t>위해선 오래 걸린다</a:t>
+                  <a:t>한 결과를 </a:t>
+                </a:r>
+                <a:r>
+                  <a:rPr lang="ko-KR" altLang="en-US" sz="2400" dirty="0" smtClean="0">
+                    <a:solidFill>
+                      <a:schemeClr val="tx1">
+                        <a:lumMod val="50000"/>
+                        <a:lumOff val="50000"/>
+                      </a:schemeClr>
+                    </a:solidFill>
+                    <a:latin typeface="+mn-ea"/>
+                  </a:rPr>
+                  <a:t>돌려받기 </a:t>
+                </a:r>
+                <a:r>
+                  <a:rPr lang="ko-KR" altLang="en-US" sz="2400" dirty="0" smtClean="0">
+                    <a:solidFill>
+                      <a:schemeClr val="tx1">
+                        <a:lumMod val="50000"/>
+                        <a:lumOff val="50000"/>
+                      </a:schemeClr>
+                    </a:solidFill>
+                    <a:latin typeface="+mn-ea"/>
+                  </a:rPr>
+                  <a:t>위해선 </a:t>
+                </a:r>
+                <a:r>
+                  <a:rPr lang="ko-KR" altLang="en-US" sz="2400" dirty="0" smtClean="0">
+                    <a:solidFill>
+                      <a:schemeClr val="tx1">
+                        <a:lumMod val="50000"/>
+                        <a:lumOff val="50000"/>
+                      </a:schemeClr>
+                    </a:solidFill>
+                    <a:latin typeface="+mn-ea"/>
+                  </a:rPr>
+                  <a:t>오래 걸린다</a:t>
                 </a:r>
                 <a:r>
                   <a:rPr lang="en-US" altLang="ko-KR" sz="2400" dirty="0" smtClean="0">
@@ -15466,7 +15505,7 @@
             <p:spPr>
               <a:xfrm>
                 <a:off x="5913339" y="5069224"/>
-                <a:ext cx="4745402" cy="1077218"/>
+                <a:ext cx="5816208" cy="1077218"/>
               </a:xfrm>
               <a:prstGeom prst="rect">
                 <a:avLst/>
@@ -15504,7 +15543,34 @@
                     </a:solidFill>
                     <a:latin typeface="+mn-ea"/>
                   </a:rPr>
-                  <a:t>“Remote </a:t>
+                  <a:t>“</a:t>
+                </a:r>
+                <a:r>
+                  <a:rPr lang="ko-KR" altLang="en-US" sz="3200" dirty="0" smtClean="0">
+                    <a:solidFill>
+                      <a:schemeClr val="accent1"/>
+                    </a:solidFill>
+                    <a:latin typeface="+mn-ea"/>
+                  </a:rPr>
+                  <a:t>원격</a:t>
+                </a:r>
+                <a:r>
+                  <a:rPr lang="en-US" altLang="ko-KR" sz="3200" dirty="0" smtClean="0">
+                    <a:solidFill>
+                      <a:schemeClr val="accent1"/>
+                    </a:solidFill>
+                    <a:latin typeface="+mn-ea"/>
+                  </a:rPr>
+                  <a:t>(Remote)</a:t>
+                </a:r>
+                <a:r>
+                  <a:rPr lang="en-US" altLang="ko-KR" sz="3200" dirty="0" smtClean="0">
+                    <a:solidFill>
+                      <a:schemeClr val="accent1"/>
+                    </a:solidFill>
+                    <a:latin typeface="+mn-ea"/>
+                  </a:rPr>
+                  <a:t> </a:t>
                 </a:r>
                 <a:r>
                   <a:rPr lang="ko-KR" altLang="en-US" sz="3200" dirty="0" smtClean="0">
@@ -15690,8 +15756,8 @@
         </p:nvSpPr>
         <p:spPr>
           <a:xfrm>
-            <a:off x="2365652" y="1344207"/>
-            <a:ext cx="7460697" cy="1015663"/>
+            <a:off x="2292715" y="1344207"/>
+            <a:ext cx="7606571" cy="1015663"/>
           </a:xfrm>
           <a:prstGeom prst="rect">
             <a:avLst/>
@@ -15849,7 +15915,7 @@
               <a:t>저장소를 다운 </a:t>
             </a:r>
             <a:r>
-              <a:rPr lang="ko-KR" altLang="en-US" sz="2000" dirty="0" err="1" smtClean="0">
+              <a:rPr lang="ko-KR" altLang="en-US" sz="2000" dirty="0" smtClean="0">
                 <a:solidFill>
                   <a:schemeClr val="tx1">
                     <a:lumMod val="50000"/>
@@ -15860,7 +15926,7 @@
                 <a:ea typeface="+mj-ea"/>
                 <a:cs typeface="Arial" panose="020B0604020202020204" pitchFamily="34" charset="0"/>
               </a:rPr>
-              <a:t>받을수</a:t>
+              <a:t>받을 수 </a:t>
             </a:r>
             <a:r>
               <a:rPr lang="ko-KR" altLang="en-US" sz="2000" dirty="0" smtClean="0">
@@ -15874,7 +15940,7 @@
                 <a:ea typeface="+mj-ea"/>
                 <a:cs typeface="Arial" panose="020B0604020202020204" pitchFamily="34" charset="0"/>
               </a:rPr>
-              <a:t> 있으며</a:t>
+              <a:t>있으며</a:t>
             </a:r>
             <a:r>
               <a:rPr lang="en-US" altLang="ko-KR" sz="2000" dirty="0" smtClean="0">
@@ -22191,7 +22257,7 @@
               <a:t> 저장소의 변경된 내용을 내 컴퓨터 저장소에 </a:t>
             </a:r>
             <a:r>
-              <a:rPr lang="ko-KR" altLang="en-US" sz="2000" dirty="0" err="1" smtClean="0">
+              <a:rPr lang="ko-KR" altLang="en-US" sz="2000" dirty="0" smtClean="0">
                 <a:solidFill>
                   <a:schemeClr val="tx1">
                     <a:lumMod val="50000"/>
@@ -22202,7 +22268,7 @@
                 <a:ea typeface="+mj-ea"/>
                 <a:cs typeface="Arial" panose="020B0604020202020204" pitchFamily="34" charset="0"/>
               </a:rPr>
-              <a:t>적용한는</a:t>
+              <a:t>적용하는</a:t>
             </a:r>
             <a:endParaRPr lang="en-US" altLang="ko-KR" sz="2000" dirty="0" smtClean="0">
               <a:solidFill>
@@ -32540,10 +32606,10 @@
                 <a:ea typeface="+mj-ea"/>
                 <a:cs typeface="Arial" panose="020B0604020202020204" pitchFamily="34" charset="0"/>
               </a:rPr>
-              <a:t>을 사용하려면 </a:t>
-            </a:r>
-            <a:r>
-              <a:rPr lang="ko-KR" altLang="en-US" sz="2800" dirty="0" smtClean="0">
+              <a:t>을 사용하려면 기본적으로 </a:t>
+            </a:r>
+            <a:r>
+              <a:rPr lang="en-US" altLang="ko-KR" sz="2800" dirty="0" smtClean="0">
                 <a:solidFill>
                   <a:schemeClr val="tx1">
                     <a:lumMod val="50000"/>
@@ -32554,35 +32620,7 @@
                 <a:ea typeface="+mj-ea"/>
                 <a:cs typeface="Arial" panose="020B0604020202020204" pitchFamily="34" charset="0"/>
               </a:rPr>
-              <a:t>기본적으로 </a:t>
-            </a:r>
-            <a:r>
-              <a:rPr lang="en-US" altLang="ko-KR" sz="2800" dirty="0" smtClean="0">
-                <a:solidFill>
-                  <a:schemeClr val="tx1">
-                    <a:lumMod val="50000"/>
-                    <a:lumOff val="50000"/>
-                  </a:schemeClr>
-                </a:solidFill>
-                <a:latin typeface="+mj-ea"/>
-                <a:ea typeface="+mj-ea"/>
-                <a:cs typeface="Arial" panose="020B0604020202020204" pitchFamily="34" charset="0"/>
-              </a:rPr>
-              <a:t>Command </a:t>
-            </a:r>
-            <a:r>
-              <a:rPr lang="en-US" altLang="ko-KR" sz="2800" dirty="0" smtClean="0">
-                <a:solidFill>
-                  <a:schemeClr val="tx1">
-                    <a:lumMod val="50000"/>
-                    <a:lumOff val="50000"/>
-                  </a:schemeClr>
-                </a:solidFill>
-                <a:latin typeface="+mj-ea"/>
-                <a:ea typeface="+mj-ea"/>
-                <a:cs typeface="Arial" panose="020B0604020202020204" pitchFamily="34" charset="0"/>
-              </a:rPr>
-              <a:t>Line</a:t>
+              <a:t>Command Line</a:t>
             </a:r>
             <a:r>
               <a:rPr lang="ko-KR" altLang="en-US" sz="2800" dirty="0" smtClean="0">
@@ -32624,21 +32662,7 @@
                 <a:ea typeface="+mj-ea"/>
                 <a:cs typeface="Arial" panose="020B0604020202020204" pitchFamily="34" charset="0"/>
               </a:rPr>
-              <a:t>작업을 </a:t>
-            </a:r>
-            <a:r>
-              <a:rPr lang="ko-KR" altLang="en-US" sz="2800" dirty="0" smtClean="0">
-                <a:solidFill>
-                  <a:schemeClr val="tx1">
-                    <a:lumMod val="50000"/>
-                    <a:lumOff val="50000"/>
-                  </a:schemeClr>
-                </a:solidFill>
-                <a:latin typeface="+mj-ea"/>
-                <a:ea typeface="+mj-ea"/>
-                <a:cs typeface="Arial" panose="020B0604020202020204" pitchFamily="34" charset="0"/>
-              </a:rPr>
-              <a:t>해야한다</a:t>
+              <a:t>작업을 해야한다</a:t>
             </a:r>
             <a:r>
               <a:rPr lang="en-US" altLang="ko-KR" sz="2800" dirty="0" smtClean="0">
@@ -32738,17 +32762,6 @@
               </a:rPr>
               <a:t>.</a:t>
             </a:r>
-            <a:endParaRPr lang="en-US" altLang="ko-KR" sz="2800" dirty="0" smtClean="0">
-              <a:solidFill>
-                <a:schemeClr val="tx1">
-                  <a:lumMod val="50000"/>
-                  <a:lumOff val="50000"/>
-                </a:schemeClr>
-              </a:solidFill>
-              <a:latin typeface="+mj-ea"/>
-              <a:ea typeface="+mj-ea"/>
-              <a:cs typeface="Arial" panose="020B0604020202020204" pitchFamily="34" charset="0"/>
-            </a:endParaRPr>
           </a:p>
         </p:txBody>
       </p:sp>
@@ -32873,17 +32886,6 @@
               </a:rPr>
               <a:t>?</a:t>
             </a:r>
-            <a:endParaRPr lang="en-US" altLang="ko-KR" sz="4000" dirty="0" smtClean="0">
-              <a:solidFill>
-                <a:schemeClr val="tx1">
-                  <a:lumMod val="50000"/>
-                  <a:lumOff val="50000"/>
-                </a:schemeClr>
-              </a:solidFill>
-              <a:latin typeface="+mj-ea"/>
-              <a:ea typeface="+mj-ea"/>
-              <a:cs typeface="Arial" panose="020B0604020202020204" pitchFamily="34" charset="0"/>
-            </a:endParaRPr>
           </a:p>
         </p:txBody>
       </p:sp>
@@ -32895,8 +32897,8 @@
         </p:nvSpPr>
         <p:spPr>
           <a:xfrm>
-            <a:off x="4876756" y="4114800"/>
-            <a:ext cx="2438488" cy="1446550"/>
+            <a:off x="4708729" y="4114800"/>
+            <a:ext cx="2774542" cy="1446550"/>
           </a:xfrm>
           <a:prstGeom prst="rect">
             <a:avLst/>
@@ -32919,7 +32921,7 @@
                 </a:solidFill>
                 <a:latin typeface="Arial Black" panose="020B0A04020102020204" pitchFamily="34" charset="0"/>
               </a:rPr>
-              <a:t>NO!</a:t>
+              <a:t>Yes!</a:t>
             </a:r>
             <a:endParaRPr lang="ko-KR" altLang="en-US" sz="8800" dirty="0">
               <a:solidFill>
@@ -32978,8 +32980,8 @@
         </p:nvSpPr>
         <p:spPr>
           <a:xfrm>
-            <a:off x="2620553" y="970726"/>
-            <a:ext cx="6950942" cy="523220"/>
+            <a:off x="2920291" y="970726"/>
+            <a:ext cx="6351419" cy="523220"/>
           </a:xfrm>
           <a:prstGeom prst="rect">
             <a:avLst/>
@@ -32994,20 +32996,6 @@
           <a:p>
             <a:pPr algn="ctr"/>
             <a:r>
-              <a:rPr lang="en-US" altLang="ko-KR" sz="2800" dirty="0" smtClean="0">
-                <a:solidFill>
-                  <a:schemeClr val="tx1">
-                    <a:lumMod val="50000"/>
-                    <a:lumOff val="50000"/>
-                  </a:schemeClr>
-                </a:solidFill>
-                <a:latin typeface="+mj-ea"/>
-                <a:ea typeface="+mj-ea"/>
-                <a:cs typeface="Arial" panose="020B0604020202020204" pitchFamily="34" charset="0"/>
-              </a:rPr>
-              <a:t>GUI </a:t>
-            </a:r>
-            <a:r>
               <a:rPr lang="en-US" altLang="ko-KR" sz="2800" dirty="0" err="1" smtClean="0">
                 <a:solidFill>
                   <a:schemeClr val="tx1">
@@ -33033,7 +33021,35 @@
                 <a:ea typeface="+mj-ea"/>
                 <a:cs typeface="Arial" panose="020B0604020202020204" pitchFamily="34" charset="0"/>
               </a:rPr>
-              <a:t>을 쉽게 사용하는 프로그램이 있다</a:t>
+              <a:t>을 쉽게 사용하는 </a:t>
+            </a:r>
+            <a:r>
+              <a:rPr lang="ko-KR" altLang="en-US" sz="2800" dirty="0" smtClean="0">
+                <a:solidFill>
+                  <a:schemeClr val="tx1">
+                    <a:lumMod val="50000"/>
+                    <a:lumOff val="50000"/>
+                  </a:schemeClr>
+                </a:solidFill>
+                <a:latin typeface="+mj-ea"/>
+                <a:ea typeface="+mj-ea"/>
+                <a:cs typeface="Arial" panose="020B0604020202020204" pitchFamily="34" charset="0"/>
+              </a:rPr>
+              <a:t>프로그램이 </a:t>
+            </a:r>
+            <a:r>
+              <a:rPr lang="ko-KR" altLang="en-US" sz="2800" dirty="0" smtClean="0">
+                <a:solidFill>
+                  <a:schemeClr val="tx1">
+                    <a:lumMod val="50000"/>
+                    <a:lumOff val="50000"/>
+                  </a:schemeClr>
+                </a:solidFill>
+                <a:latin typeface="+mj-ea"/>
+                <a:ea typeface="+mj-ea"/>
+                <a:cs typeface="Arial" panose="020B0604020202020204" pitchFamily="34" charset="0"/>
+              </a:rPr>
+              <a:t>있다</a:t>
             </a:r>
             <a:r>
               <a:rPr lang="en-US" altLang="ko-KR" sz="2800" dirty="0" smtClean="0">

--- a/git 사용법.pptx
+++ b/git 사용법.pptx
@@ -6451,8 +6451,8 @@
         </p:nvSpPr>
         <p:spPr>
           <a:xfrm>
-            <a:off x="3792324" y="645053"/>
-            <a:ext cx="4607352" cy="707886"/>
+            <a:off x="3514204" y="645053"/>
+            <a:ext cx="5163593" cy="707886"/>
           </a:xfrm>
           <a:prstGeom prst="rect">
             <a:avLst/>
@@ -6499,7 +6499,7 @@
               <a:t> </a:t>
             </a:r>
             <a:r>
-              <a:rPr lang="en-US" altLang="ko-KR" sz="4000" dirty="0" smtClean="0">
+              <a:rPr lang="ko-KR" altLang="en-US" sz="4000" dirty="0" smtClean="0">
                 <a:solidFill>
                   <a:schemeClr val="tx1">
                     <a:lumMod val="75000"/>
@@ -6507,7 +6507,7 @@
                   </a:schemeClr>
                 </a:solidFill>
               </a:rPr>
-              <a:t>lab1</a:t>
+              <a:t>만들기</a:t>
             </a:r>
             <a:endParaRPr lang="ko-KR" altLang="en-US" sz="4000" dirty="0">
               <a:solidFill>
@@ -6528,7 +6528,7 @@
         </p:nvSpPr>
         <p:spPr>
           <a:xfrm>
-            <a:off x="1483201" y="1977270"/>
+            <a:off x="1483201" y="2448465"/>
             <a:ext cx="9225603" cy="1200329"/>
           </a:xfrm>
           <a:prstGeom prst="rect">
@@ -7724,6 +7724,55 @@
           </p:sp>
         </p:grpSp>
       </p:grpSp>
+      <p:sp>
+        <p:nvSpPr>
+          <p:cNvPr id="30" name="TextBox 29"/>
+          <p:cNvSpPr txBox="1"/>
+          <p:nvPr/>
+        </p:nvSpPr>
+        <p:spPr>
+          <a:xfrm>
+            <a:off x="3768921" y="1417520"/>
+            <a:ext cx="4654159" cy="923330"/>
+          </a:xfrm>
+          <a:prstGeom prst="rect">
+            <a:avLst/>
+          </a:prstGeom>
+          <a:noFill/>
+        </p:spPr>
+        <p:txBody>
+          <a:bodyPr wrap="none" rtlCol="0">
+            <a:spAutoFit/>
+          </a:bodyPr>
+          <a:lstStyle/>
+          <a:p>
+            <a:r>
+              <a:rPr lang="en-US" altLang="ko-KR" sz="5400" dirty="0" smtClean="0">
+                <a:solidFill>
+                  <a:srgbClr val="E76F6F"/>
+                </a:solidFill>
+                <a:latin typeface="Arial Black" panose="020B0A04020102020204" pitchFamily="34" charset="0"/>
+              </a:rPr>
+              <a:t>branch </a:t>
+            </a:r>
+            <a:r>
+              <a:rPr lang="en-US" altLang="ko-KR" sz="5400" dirty="0" smtClean="0">
+                <a:solidFill>
+                  <a:schemeClr val="accent6"/>
+                </a:solidFill>
+                <a:latin typeface="Arial Black" panose="020B0A04020102020204" pitchFamily="34" charset="0"/>
+              </a:rPr>
+              <a:t>lab1</a:t>
+            </a:r>
+            <a:endParaRPr lang="ko-KR" altLang="en-US" sz="5400" dirty="0">
+              <a:solidFill>
+                <a:schemeClr val="accent6"/>
+              </a:solidFill>
+              <a:latin typeface="Arial Black" panose="020B0A04020102020204" pitchFamily="34" charset="0"/>
+            </a:endParaRPr>
+          </a:p>
+        </p:txBody>
+      </p:sp>
     </p:spTree>
     <p:extLst>
       <p:ext uri="{BB962C8B-B14F-4D97-AF65-F5344CB8AC3E}">
@@ -15387,19 +15436,7 @@
                     </a:solidFill>
                     <a:latin typeface="+mn-ea"/>
                   </a:rPr>
-                  <a:t>한번 주고 </a:t>
-                </a:r>
-                <a:r>
-                  <a:rPr lang="ko-KR" altLang="en-US" sz="2400" dirty="0" smtClean="0">
-                    <a:solidFill>
-                      <a:schemeClr val="tx1">
-                        <a:lumMod val="50000"/>
-                        <a:lumOff val="50000"/>
-                      </a:schemeClr>
-                    </a:solidFill>
-                    <a:latin typeface="+mn-ea"/>
-                  </a:rPr>
-                  <a:t>동료가 작업</a:t>
+                  <a:t>한번 주고 동료가 작업</a:t>
                 </a:r>
                 <a:r>
                   <a:rPr lang="en-US" altLang="ko-KR" sz="2400" dirty="0" smtClean="0">
@@ -15434,43 +15471,7 @@
                     </a:solidFill>
                     <a:latin typeface="+mn-ea"/>
                   </a:rPr>
-                  <a:t>한 결과를 </a:t>
-                </a:r>
-                <a:r>
-                  <a:rPr lang="ko-KR" altLang="en-US" sz="2400" dirty="0" smtClean="0">
-                    <a:solidFill>
-                      <a:schemeClr val="tx1">
-                        <a:lumMod val="50000"/>
-                        <a:lumOff val="50000"/>
-                      </a:schemeClr>
-                    </a:solidFill>
-                    <a:latin typeface="+mn-ea"/>
-                  </a:rPr>
-                  <a:t>돌려받기 </a:t>
-                </a:r>
-                <a:r>
-                  <a:rPr lang="ko-KR" altLang="en-US" sz="2400" dirty="0" smtClean="0">
-                    <a:solidFill>
-                      <a:schemeClr val="tx1">
-                        <a:lumMod val="50000"/>
-                        <a:lumOff val="50000"/>
-                      </a:schemeClr>
-                    </a:solidFill>
-                    <a:latin typeface="+mn-ea"/>
-                  </a:rPr>
-                  <a:t>위해선 </a:t>
-                </a:r>
-                <a:r>
-                  <a:rPr lang="ko-KR" altLang="en-US" sz="2400" dirty="0" smtClean="0">
-                    <a:solidFill>
-                      <a:schemeClr val="tx1">
-                        <a:lumMod val="50000"/>
-                        <a:lumOff val="50000"/>
-                      </a:schemeClr>
-                    </a:solidFill>
-                    <a:latin typeface="+mn-ea"/>
-                  </a:rPr>
-                  <a:t>오래 걸린다</a:t>
+                  <a:t>한 결과를 돌려받기 위해선 오래 걸린다</a:t>
                 </a:r>
                 <a:r>
                   <a:rPr lang="en-US" altLang="ko-KR" sz="2400" dirty="0" smtClean="0">
@@ -15561,16 +15562,7 @@
                     </a:solidFill>
                     <a:latin typeface="+mn-ea"/>
                   </a:rPr>
-                  <a:t>(Remote)</a:t>
-                </a:r>
-                <a:r>
-                  <a:rPr lang="en-US" altLang="ko-KR" sz="3200" dirty="0" smtClean="0">
-                    <a:solidFill>
-                      <a:schemeClr val="accent1"/>
-                    </a:solidFill>
-                    <a:latin typeface="+mn-ea"/>
-                  </a:rPr>
-                  <a:t> </a:t>
+                  <a:t>(Remote) </a:t>
                 </a:r>
                 <a:r>
                   <a:rPr lang="ko-KR" altLang="en-US" sz="3200" dirty="0" smtClean="0">
@@ -15912,35 +15904,7 @@
                 <a:ea typeface="+mj-ea"/>
                 <a:cs typeface="Arial" panose="020B0604020202020204" pitchFamily="34" charset="0"/>
               </a:rPr>
-              <a:t>저장소를 다운 </a:t>
-            </a:r>
-            <a:r>
-              <a:rPr lang="ko-KR" altLang="en-US" sz="2000" dirty="0" smtClean="0">
-                <a:solidFill>
-                  <a:schemeClr val="tx1">
-                    <a:lumMod val="50000"/>
-                    <a:lumOff val="50000"/>
-                  </a:schemeClr>
-                </a:solidFill>
-                <a:latin typeface="+mj-ea"/>
-                <a:ea typeface="+mj-ea"/>
-                <a:cs typeface="Arial" panose="020B0604020202020204" pitchFamily="34" charset="0"/>
-              </a:rPr>
-              <a:t>받을 수 </a:t>
-            </a:r>
-            <a:r>
-              <a:rPr lang="ko-KR" altLang="en-US" sz="2000" dirty="0" smtClean="0">
-                <a:solidFill>
-                  <a:schemeClr val="tx1">
-                    <a:lumMod val="50000"/>
-                    <a:lumOff val="50000"/>
-                  </a:schemeClr>
-                </a:solidFill>
-                <a:latin typeface="+mj-ea"/>
-                <a:ea typeface="+mj-ea"/>
-                <a:cs typeface="Arial" panose="020B0604020202020204" pitchFamily="34" charset="0"/>
-              </a:rPr>
-              <a:t>있으며</a:t>
+              <a:t>저장소를 다운 받을 수 있으며</a:t>
             </a:r>
             <a:r>
               <a:rPr lang="en-US" altLang="ko-KR" sz="2000" dirty="0" smtClean="0">
@@ -22254,21 +22218,7 @@
                 <a:ea typeface="+mj-ea"/>
                 <a:cs typeface="Arial" panose="020B0604020202020204" pitchFamily="34" charset="0"/>
               </a:rPr>
-              <a:t> 저장소의 변경된 내용을 내 컴퓨터 저장소에 </a:t>
-            </a:r>
-            <a:r>
-              <a:rPr lang="ko-KR" altLang="en-US" sz="2000" dirty="0" smtClean="0">
-                <a:solidFill>
-                  <a:schemeClr val="tx1">
-                    <a:lumMod val="50000"/>
-                    <a:lumOff val="50000"/>
-                  </a:schemeClr>
-                </a:solidFill>
-                <a:latin typeface="+mj-ea"/>
-                <a:ea typeface="+mj-ea"/>
-                <a:cs typeface="Arial" panose="020B0604020202020204" pitchFamily="34" charset="0"/>
-              </a:rPr>
-              <a:t>적용하는</a:t>
+              <a:t> 저장소의 변경된 내용을 내 컴퓨터 저장소에 적용하는</a:t>
             </a:r>
             <a:endParaRPr lang="en-US" altLang="ko-KR" sz="2000" dirty="0" smtClean="0">
               <a:solidFill>
@@ -33021,35 +32971,7 @@
                 <a:ea typeface="+mj-ea"/>
                 <a:cs typeface="Arial" panose="020B0604020202020204" pitchFamily="34" charset="0"/>
               </a:rPr>
-              <a:t>을 쉽게 사용하는 </a:t>
-            </a:r>
-            <a:r>
-              <a:rPr lang="ko-KR" altLang="en-US" sz="2800" dirty="0" smtClean="0">
-                <a:solidFill>
-                  <a:schemeClr val="tx1">
-                    <a:lumMod val="50000"/>
-                    <a:lumOff val="50000"/>
-                  </a:schemeClr>
-                </a:solidFill>
-                <a:latin typeface="+mj-ea"/>
-                <a:ea typeface="+mj-ea"/>
-                <a:cs typeface="Arial" panose="020B0604020202020204" pitchFamily="34" charset="0"/>
-              </a:rPr>
-              <a:t>프로그램이 </a:t>
-            </a:r>
-            <a:r>
-              <a:rPr lang="ko-KR" altLang="en-US" sz="2800" dirty="0" smtClean="0">
-                <a:solidFill>
-                  <a:schemeClr val="tx1">
-                    <a:lumMod val="50000"/>
-                    <a:lumOff val="50000"/>
-                  </a:schemeClr>
-                </a:solidFill>
-                <a:latin typeface="+mj-ea"/>
-                <a:ea typeface="+mj-ea"/>
-                <a:cs typeface="Arial" panose="020B0604020202020204" pitchFamily="34" charset="0"/>
-              </a:rPr>
-              <a:t>있다</a:t>
+              <a:t>을 쉽게 사용하는 프로그램이 있다</a:t>
             </a:r>
             <a:r>
               <a:rPr lang="en-US" altLang="ko-KR" sz="2800" dirty="0" smtClean="0">

--- a/git 사용법.pptx
+++ b/git 사용법.pptx
@@ -4892,7 +4892,31 @@
                 </a:solidFill>
                 <a:latin typeface="+mn-ea"/>
               </a:rPr>
-              <a:t>. Commit </a:t>
+              <a:t>. </a:t>
+            </a:r>
+            <a:r>
+              <a:rPr lang="en-US" altLang="ko-KR" sz="2400">
+                <a:solidFill>
+                  <a:schemeClr val="tx1">
+                    <a:lumMod val="50000"/>
+                    <a:lumOff val="50000"/>
+                  </a:schemeClr>
+                </a:solidFill>
+                <a:latin typeface="+mn-ea"/>
+              </a:rPr>
+              <a:t>c</a:t>
+            </a:r>
+            <a:r>
+              <a:rPr lang="en-US" altLang="ko-KR" sz="2400" smtClean="0">
+                <a:solidFill>
+                  <a:schemeClr val="tx1">
+                    <a:lumMod val="50000"/>
+                    <a:lumOff val="50000"/>
+                  </a:schemeClr>
+                </a:solidFill>
+                <a:latin typeface="+mn-ea"/>
+              </a:rPr>
+              <a:t>ommit </a:t>
             </a:r>
             <a:r>
               <a:rPr lang="ko-KR" altLang="en-US" sz="2400" dirty="0" smtClean="0">
@@ -6496,18 +6520,7 @@
                   </a:schemeClr>
                 </a:solidFill>
               </a:rPr>
-              <a:t> </a:t>
-            </a:r>
-            <a:r>
-              <a:rPr lang="ko-KR" altLang="en-US" sz="4000" dirty="0" smtClean="0">
-                <a:solidFill>
-                  <a:schemeClr val="tx1">
-                    <a:lumMod val="75000"/>
-                    <a:lumOff val="25000"/>
-                  </a:schemeClr>
-                </a:solidFill>
-              </a:rPr>
-              <a:t>만들기</a:t>
+              <a:t> 만들기</a:t>
             </a:r>
             <a:endParaRPr lang="ko-KR" altLang="en-US" sz="4000" dirty="0">
               <a:solidFill>
